--- a/Are the Browns Losing Seasons The Fault of.pptx
+++ b/Are the Browns Losing Seasons The Fault of.pptx
@@ -5,10 +5,10 @@
     <p:sldMasterId id="2147483648" r:id="rId4"/>
   </p:sldMasterIdLst>
   <p:notesMasterIdLst>
-    <p:notesMasterId r:id="rId15"/>
+    <p:notesMasterId r:id="rId16"/>
   </p:notesMasterIdLst>
   <p:handoutMasterIdLst>
-    <p:handoutMasterId r:id="rId16"/>
+    <p:handoutMasterId r:id="rId17"/>
   </p:handoutMasterIdLst>
   <p:sldIdLst>
     <p:sldId id="256" r:id="rId5"/>
@@ -21,6 +21,7 @@
     <p:sldId id="283" r:id="rId12"/>
     <p:sldId id="281" r:id="rId13"/>
     <p:sldId id="280" r:id="rId14"/>
+    <p:sldId id="284" r:id="rId15"/>
   </p:sldIdLst>
   <p:sldSz cx="12188825" cy="6858000"/>
   <p:notesSz cx="6858000" cy="9144000"/>
@@ -234,7 +235,7 @@
           <a:p>
             <a:fld id="{1C482589-CB2F-4003-801D-095B67490E73}" type="datetimeFigureOut">
               <a:rPr lang="en-US"/>
-              <a:t>12/21/2020</a:t>
+              <a:t>12/23/2020</a:t>
             </a:fld>
             <a:endParaRPr/>
           </a:p>
@@ -399,7 +400,7 @@
           <a:p>
             <a:fld id="{2A7D4DBF-746C-4C25-853D-8A1CBE8404F4}" type="datetimeFigureOut">
               <a:rPr lang="en-US"/>
-              <a:t>12/21/2020</a:t>
+              <a:t>12/23/2020</a:t>
             </a:fld>
             <a:endParaRPr/>
           </a:p>
@@ -1209,7 +1210,7 @@
             <a:fld id="{881DC1F7-A9E9-4D8B-8C97-C74523B2CF2A}" type="datetimeFigureOut">
               <a:rPr lang="en-US" smtClean="0"/>
               <a:pPr/>
-              <a:t>12/21/2020</a:t>
+              <a:t>12/23/2020</a:t>
             </a:fld>
             <a:endParaRPr lang="en-US"/>
           </a:p>
@@ -1421,7 +1422,7 @@
             <a:fld id="{881DC1F7-A9E9-4D8B-8C97-C74523B2CF2A}" type="datetimeFigureOut">
               <a:rPr lang="en-US" smtClean="0"/>
               <a:pPr/>
-              <a:t>12/21/2020</a:t>
+              <a:t>12/23/2020</a:t>
             </a:fld>
             <a:endParaRPr lang="en-US"/>
           </a:p>
@@ -1643,7 +1644,7 @@
             <a:fld id="{881DC1F7-A9E9-4D8B-8C97-C74523B2CF2A}" type="datetimeFigureOut">
               <a:rPr lang="en-US" smtClean="0"/>
               <a:pPr/>
-              <a:t>12/21/2020</a:t>
+              <a:t>12/23/2020</a:t>
             </a:fld>
             <a:endParaRPr lang="en-US"/>
           </a:p>
@@ -1855,7 +1856,7 @@
             <a:fld id="{881DC1F7-A9E9-4D8B-8C97-C74523B2CF2A}" type="datetimeFigureOut">
               <a:rPr lang="en-US" smtClean="0"/>
               <a:pPr/>
-              <a:t>12/21/2020</a:t>
+              <a:t>12/23/2020</a:t>
             </a:fld>
             <a:endParaRPr lang="en-US"/>
           </a:p>
@@ -2130,7 +2131,7 @@
             <a:fld id="{881DC1F7-A9E9-4D8B-8C97-C74523B2CF2A}" type="datetimeFigureOut">
               <a:rPr lang="en-US" smtClean="0"/>
               <a:pPr/>
-              <a:t>12/21/2020</a:t>
+              <a:t>12/23/2020</a:t>
             </a:fld>
             <a:endParaRPr lang="en-US"/>
           </a:p>
@@ -2448,7 +2449,7 @@
             <a:fld id="{881DC1F7-A9E9-4D8B-8C97-C74523B2CF2A}" type="datetimeFigureOut">
               <a:rPr lang="en-US" smtClean="0"/>
               <a:pPr/>
-              <a:t>12/21/2020</a:t>
+              <a:t>12/23/2020</a:t>
             </a:fld>
             <a:endParaRPr lang="en-US"/>
           </a:p>
@@ -2906,7 +2907,7 @@
             <a:fld id="{881DC1F7-A9E9-4D8B-8C97-C74523B2CF2A}" type="datetimeFigureOut">
               <a:rPr lang="en-US" smtClean="0"/>
               <a:pPr/>
-              <a:t>12/21/2020</a:t>
+              <a:t>12/23/2020</a:t>
             </a:fld>
             <a:endParaRPr lang="en-US"/>
           </a:p>
@@ -3050,7 +3051,7 @@
             <a:fld id="{881DC1F7-A9E9-4D8B-8C97-C74523B2CF2A}" type="datetimeFigureOut">
               <a:rPr lang="en-US" smtClean="0"/>
               <a:pPr/>
-              <a:t>12/21/2020</a:t>
+              <a:t>12/23/2020</a:t>
             </a:fld>
             <a:endParaRPr lang="en-US"/>
           </a:p>
@@ -3171,7 +3172,7 @@
             <a:fld id="{881DC1F7-A9E9-4D8B-8C97-C74523B2CF2A}" type="datetimeFigureOut">
               <a:rPr lang="en-US" smtClean="0"/>
               <a:pPr/>
-              <a:t>12/21/2020</a:t>
+              <a:t>12/23/2020</a:t>
             </a:fld>
             <a:endParaRPr lang="en-US"/>
           </a:p>
@@ -3580,7 +3581,7 @@
             <a:fld id="{881DC1F7-A9E9-4D8B-8C97-C74523B2CF2A}" type="datetimeFigureOut">
               <a:rPr lang="en-US" smtClean="0"/>
               <a:pPr/>
-              <a:t>12/21/2020</a:t>
+              <a:t>12/23/2020</a:t>
             </a:fld>
             <a:endParaRPr lang="en-US"/>
           </a:p>
@@ -3987,7 +3988,7 @@
             <a:fld id="{881DC1F7-A9E9-4D8B-8C97-C74523B2CF2A}" type="datetimeFigureOut">
               <a:rPr lang="en-US" smtClean="0"/>
               <a:pPr/>
-              <a:t>12/21/2020</a:t>
+              <a:t>12/23/2020</a:t>
             </a:fld>
             <a:endParaRPr lang="en-US"/>
           </a:p>
@@ -4245,7 +4246,7 @@
             <a:fld id="{881DC1F7-A9E9-4D8B-8C97-C74523B2CF2A}" type="datetimeFigureOut">
               <a:rPr lang="en-US"/>
               <a:pPr/>
-              <a:t>12/21/2020</a:t>
+              <a:t>12/23/2020</a:t>
             </a:fld>
             <a:endParaRPr/>
           </a:p>
@@ -4883,6 +4884,285 @@
 </p:sld>
 </file>
 
+<file path=ppt/slides/slide11.xml><?xml version="1.0" encoding="utf-8"?>
+<p:sld xmlns:a="http://schemas.openxmlformats.org/drawingml/2006/main" xmlns:r="http://schemas.openxmlformats.org/officeDocument/2006/relationships" xmlns:p="http://schemas.openxmlformats.org/presentationml/2006/main">
+  <p:cSld>
+    <p:spTree>
+      <p:nvGrpSpPr>
+        <p:cNvPr id="1" name=""/>
+        <p:cNvGrpSpPr/>
+        <p:nvPr/>
+      </p:nvGrpSpPr>
+      <p:grpSpPr>
+        <a:xfrm>
+          <a:off x="0" y="0"/>
+          <a:ext cx="0" cy="0"/>
+          <a:chOff x="0" y="0"/>
+          <a:chExt cx="0" cy="0"/>
+        </a:xfrm>
+      </p:grpSpPr>
+      <p:sp>
+        <p:nvSpPr>
+          <p:cNvPr id="2" name="Title 1">
+            <a:extLst>
+              <a:ext uri="{FF2B5EF4-FFF2-40B4-BE49-F238E27FC236}">
+                <a16:creationId xmlns:a16="http://schemas.microsoft.com/office/drawing/2014/main" id="{EB06C2A2-496B-407E-A34F-3193CB4AE3A8}"/>
+              </a:ext>
+            </a:extLst>
+          </p:cNvPr>
+          <p:cNvSpPr>
+            <a:spLocks noGrp="1"/>
+          </p:cNvSpPr>
+          <p:nvPr>
+            <p:ph type="title"/>
+          </p:nvPr>
+        </p:nvSpPr>
+        <p:spPr>
+          <a:xfrm>
+            <a:off x="1293812" y="381000"/>
+            <a:ext cx="9601200" cy="1143000"/>
+          </a:xfrm>
+        </p:spPr>
+        <p:txBody>
+          <a:bodyPr anchor="ctr">
+            <a:normAutofit/>
+          </a:bodyPr>
+          <a:lstStyle/>
+          <a:p>
+            <a:pPr algn="ctr"/>
+            <a:r>
+              <a:rPr lang="en-US" sz="4800" dirty="0">
+                <a:solidFill>
+                  <a:srgbClr val="FF9900"/>
+                </a:solidFill>
+              </a:rPr>
+              <a:t>Special Thanks</a:t>
+            </a:r>
+          </a:p>
+        </p:txBody>
+      </p:sp>
+      <p:sp>
+        <p:nvSpPr>
+          <p:cNvPr id="3" name="Content Placeholder 2">
+            <a:extLst>
+              <a:ext uri="{FF2B5EF4-FFF2-40B4-BE49-F238E27FC236}">
+                <a16:creationId xmlns:a16="http://schemas.microsoft.com/office/drawing/2014/main" id="{FDAB6B43-1DB8-4C16-800B-8BA56AA4462F}"/>
+              </a:ext>
+            </a:extLst>
+          </p:cNvPr>
+          <p:cNvSpPr>
+            <a:spLocks noGrp="1"/>
+          </p:cNvSpPr>
+          <p:nvPr>
+            <p:ph sz="half" idx="1"/>
+          </p:nvPr>
+        </p:nvSpPr>
+        <p:spPr>
+          <a:xfrm>
+            <a:off x="1293813" y="1828800"/>
+            <a:ext cx="8000999" cy="4343400"/>
+          </a:xfrm>
+        </p:spPr>
+        <p:txBody>
+          <a:bodyPr>
+            <a:normAutofit/>
+          </a:bodyPr>
+          <a:lstStyle/>
+          <a:p>
+            <a:pPr marL="342900" marR="0" lvl="0" indent="-342900">
+              <a:lnSpc>
+                <a:spcPct val="107000"/>
+              </a:lnSpc>
+              <a:spcBef>
+                <a:spcPts val="0"/>
+              </a:spcBef>
+              <a:spcAft>
+                <a:spcPts val="0"/>
+              </a:spcAft>
+              <a:buFont typeface="Symbol" panose="05050102010706020507" pitchFamily="18" charset="2"/>
+              <a:buChar char=""/>
+            </a:pPr>
+            <a:r>
+              <a:rPr lang="en-US" sz="4000" dirty="0">
+                <a:effectLst/>
+                <a:latin typeface="Calibri" panose="020F0502020204030204" pitchFamily="34" charset="0"/>
+                <a:ea typeface="Calibri" panose="020F0502020204030204" pitchFamily="34" charset="0"/>
+                <a:cs typeface="Times New Roman" panose="02020603050405020304" pitchFamily="18" charset="0"/>
+              </a:rPr>
+              <a:t>Julie </a:t>
+            </a:r>
+            <a:r>
+              <a:rPr lang="en-US" sz="4000" dirty="0" err="1">
+                <a:effectLst/>
+                <a:latin typeface="Calibri" panose="020F0502020204030204" pitchFamily="34" charset="0"/>
+                <a:ea typeface="Calibri" panose="020F0502020204030204" pitchFamily="34" charset="0"/>
+                <a:cs typeface="Times New Roman" panose="02020603050405020304" pitchFamily="18" charset="0"/>
+              </a:rPr>
+              <a:t>Kitzler</a:t>
+            </a:r>
+            <a:endParaRPr lang="en-US" sz="4000" dirty="0">
+              <a:effectLst/>
+              <a:latin typeface="Calibri" panose="020F0502020204030204" pitchFamily="34" charset="0"/>
+              <a:ea typeface="Calibri" panose="020F0502020204030204" pitchFamily="34" charset="0"/>
+              <a:cs typeface="Times New Roman" panose="02020603050405020304" pitchFamily="18" charset="0"/>
+            </a:endParaRPr>
+          </a:p>
+          <a:p>
+            <a:pPr marL="342900" marR="0" lvl="0" indent="-342900">
+              <a:lnSpc>
+                <a:spcPct val="107000"/>
+              </a:lnSpc>
+              <a:spcBef>
+                <a:spcPts val="0"/>
+              </a:spcBef>
+              <a:spcAft>
+                <a:spcPts val="0"/>
+              </a:spcAft>
+              <a:buFont typeface="Symbol" panose="05050102010706020507" pitchFamily="18" charset="2"/>
+              <a:buChar char=""/>
+            </a:pPr>
+            <a:r>
+              <a:rPr lang="en-US" sz="4000" dirty="0">
+                <a:effectLst/>
+                <a:latin typeface="Calibri" panose="020F0502020204030204" pitchFamily="34" charset="0"/>
+                <a:ea typeface="Calibri" panose="020F0502020204030204" pitchFamily="34" charset="0"/>
+                <a:cs typeface="Times New Roman" panose="02020603050405020304" pitchFamily="18" charset="0"/>
+              </a:rPr>
+              <a:t>Michelle </a:t>
+            </a:r>
+            <a:r>
+              <a:rPr lang="en-US" sz="4000" dirty="0" err="1">
+                <a:effectLst/>
+                <a:latin typeface="Calibri" panose="020F0502020204030204" pitchFamily="34" charset="0"/>
+                <a:ea typeface="Calibri" panose="020F0502020204030204" pitchFamily="34" charset="0"/>
+                <a:cs typeface="Times New Roman" panose="02020603050405020304" pitchFamily="18" charset="0"/>
+              </a:rPr>
+              <a:t>Fegatelli</a:t>
+            </a:r>
+            <a:endParaRPr lang="en-US" sz="4000" dirty="0">
+              <a:effectLst/>
+              <a:latin typeface="Calibri" panose="020F0502020204030204" pitchFamily="34" charset="0"/>
+              <a:ea typeface="Calibri" panose="020F0502020204030204" pitchFamily="34" charset="0"/>
+              <a:cs typeface="Times New Roman" panose="02020603050405020304" pitchFamily="18" charset="0"/>
+            </a:endParaRPr>
+          </a:p>
+          <a:p>
+            <a:pPr marL="342900" marR="0" lvl="0" indent="-342900">
+              <a:lnSpc>
+                <a:spcPct val="107000"/>
+              </a:lnSpc>
+              <a:spcBef>
+                <a:spcPts val="0"/>
+              </a:spcBef>
+              <a:spcAft>
+                <a:spcPts val="0"/>
+              </a:spcAft>
+              <a:buFont typeface="Symbol" panose="05050102010706020507" pitchFamily="18" charset="2"/>
+              <a:buChar char=""/>
+            </a:pPr>
+            <a:r>
+              <a:rPr lang="en-US" sz="4000" dirty="0">
+                <a:effectLst/>
+                <a:latin typeface="Calibri" panose="020F0502020204030204" pitchFamily="34" charset="0"/>
+                <a:ea typeface="Calibri" panose="020F0502020204030204" pitchFamily="34" charset="0"/>
+                <a:cs typeface="Times New Roman" panose="02020603050405020304" pitchFamily="18" charset="0"/>
+              </a:rPr>
+              <a:t>Luke </a:t>
+            </a:r>
+            <a:r>
+              <a:rPr lang="en-US" sz="4000" dirty="0" err="1">
+                <a:effectLst/>
+                <a:latin typeface="Calibri" panose="020F0502020204030204" pitchFamily="34" charset="0"/>
+                <a:ea typeface="Calibri" panose="020F0502020204030204" pitchFamily="34" charset="0"/>
+                <a:cs typeface="Times New Roman" panose="02020603050405020304" pitchFamily="18" charset="0"/>
+              </a:rPr>
+              <a:t>Fedeli</a:t>
+            </a:r>
+            <a:endParaRPr lang="en-US" sz="4000" dirty="0">
+              <a:effectLst/>
+              <a:latin typeface="Calibri" panose="020F0502020204030204" pitchFamily="34" charset="0"/>
+              <a:ea typeface="Calibri" panose="020F0502020204030204" pitchFamily="34" charset="0"/>
+              <a:cs typeface="Times New Roman" panose="02020603050405020304" pitchFamily="18" charset="0"/>
+            </a:endParaRPr>
+          </a:p>
+          <a:p>
+            <a:pPr marL="342900" marR="0" lvl="0" indent="-342900">
+              <a:lnSpc>
+                <a:spcPct val="107000"/>
+              </a:lnSpc>
+              <a:spcBef>
+                <a:spcPts val="0"/>
+              </a:spcBef>
+              <a:spcAft>
+                <a:spcPts val="0"/>
+              </a:spcAft>
+              <a:buFont typeface="Symbol" panose="05050102010706020507" pitchFamily="18" charset="2"/>
+              <a:buChar char=""/>
+            </a:pPr>
+            <a:r>
+              <a:rPr lang="en-US" sz="4000" dirty="0">
+                <a:effectLst/>
+                <a:latin typeface="Calibri" panose="020F0502020204030204" pitchFamily="34" charset="0"/>
+                <a:ea typeface="Calibri" panose="020F0502020204030204" pitchFamily="34" charset="0"/>
+                <a:cs typeface="Times New Roman" panose="02020603050405020304" pitchFamily="18" charset="0"/>
+              </a:rPr>
+              <a:t>Mel Sabo</a:t>
+            </a:r>
+          </a:p>
+          <a:p>
+            <a:pPr marL="342900" marR="0" lvl="0" indent="-342900">
+              <a:lnSpc>
+                <a:spcPct val="107000"/>
+              </a:lnSpc>
+              <a:spcBef>
+                <a:spcPts val="0"/>
+              </a:spcBef>
+              <a:spcAft>
+                <a:spcPts val="800"/>
+              </a:spcAft>
+              <a:buFont typeface="Symbol" panose="05050102010706020507" pitchFamily="18" charset="2"/>
+              <a:buChar char=""/>
+            </a:pPr>
+            <a:r>
+              <a:rPr lang="en-US" sz="4000" dirty="0">
+                <a:effectLst/>
+                <a:latin typeface="Calibri" panose="020F0502020204030204" pitchFamily="34" charset="0"/>
+                <a:ea typeface="Calibri" panose="020F0502020204030204" pitchFamily="34" charset="0"/>
+                <a:cs typeface="Times New Roman" panose="02020603050405020304" pitchFamily="18" charset="0"/>
+              </a:rPr>
+              <a:t>Jah</a:t>
+            </a:r>
+          </a:p>
+          <a:p>
+            <a:endParaRPr lang="en-US" dirty="0"/>
+          </a:p>
+        </p:txBody>
+      </p:sp>
+    </p:spTree>
+    <p:extLst>
+      <p:ext uri="{BB962C8B-B14F-4D97-AF65-F5344CB8AC3E}">
+        <p14:creationId xmlns:p14="http://schemas.microsoft.com/office/powerpoint/2010/main" val="1842988060"/>
+      </p:ext>
+    </p:extLst>
+  </p:cSld>
+  <p:clrMapOvr>
+    <a:masterClrMapping/>
+  </p:clrMapOvr>
+  <mc:AlternateContent xmlns:mc="http://schemas.openxmlformats.org/markup-compatibility/2006">
+    <mc:Choice xmlns:p14="http://schemas.microsoft.com/office/powerpoint/2010/main" Requires="p14">
+      <p:transition spd="med" p14:dur="700">
+        <p:fade/>
+      </p:transition>
+    </mc:Choice>
+    <mc:Fallback>
+      <p:transition spd="med">
+        <p:fade/>
+      </p:transition>
+    </mc:Fallback>
+  </mc:AlternateContent>
+</p:sld>
+</file>
+
 <file path=ppt/slides/slide2.xml><?xml version="1.0" encoding="utf-8"?>
 <p:sld xmlns:a="http://schemas.openxmlformats.org/drawingml/2006/main" xmlns:r="http://schemas.openxmlformats.org/officeDocument/2006/relationships" xmlns:p="http://schemas.openxmlformats.org/presentationml/2006/main">
   <p:cSld>
@@ -5225,8 +5505,8 @@
         </p:nvSpPr>
         <p:spPr>
           <a:xfrm>
-            <a:off x="1293813" y="1676400"/>
-            <a:ext cx="4646376" cy="762000"/>
+            <a:off x="1337553" y="1295400"/>
+            <a:ext cx="4646376" cy="609600"/>
           </a:xfrm>
         </p:spPr>
         <p:txBody>
@@ -5268,8 +5548,8 @@
         </p:blipFill>
         <p:spPr>
           <a:xfrm>
-            <a:off x="1297171" y="2468525"/>
-            <a:ext cx="4733857" cy="1606581"/>
+            <a:off x="912813" y="2133601"/>
+            <a:ext cx="6105086" cy="1941506"/>
           </a:xfrm>
           <a:prstGeom prst="rect">
             <a:avLst/>
@@ -5295,8 +5575,8 @@
         </p:nvSpPr>
         <p:spPr>
           <a:xfrm>
-            <a:off x="6246812" y="1676400"/>
-            <a:ext cx="4648201" cy="762000"/>
+            <a:off x="7542212" y="1676400"/>
+            <a:ext cx="3352801" cy="762000"/>
           </a:xfrm>
         </p:spPr>
         <p:txBody>
@@ -5328,8 +5608,8 @@
         </p:nvSpPr>
         <p:spPr>
           <a:xfrm>
-            <a:off x="6246812" y="2468526"/>
-            <a:ext cx="4648201" cy="3733800"/>
+            <a:off x="7542212" y="2468526"/>
+            <a:ext cx="3352801" cy="3733800"/>
           </a:xfrm>
         </p:spPr>
         <p:txBody>
@@ -5396,8 +5676,8 @@
         </p:blipFill>
         <p:spPr>
           <a:xfrm>
-            <a:off x="1293813" y="4844195"/>
-            <a:ext cx="4733856" cy="1452251"/>
+            <a:off x="909455" y="4541443"/>
+            <a:ext cx="6105085" cy="1755003"/>
           </a:xfrm>
           <a:prstGeom prst="rect">
             <a:avLst/>
@@ -5421,7 +5701,7 @@
         <p:spPr>
           <a:xfrm>
             <a:off x="1258554" y="4075107"/>
-            <a:ext cx="4646376" cy="762000"/>
+            <a:ext cx="4646376" cy="420693"/>
           </a:xfrm>
           <a:prstGeom prst="rect">
             <a:avLst/>
@@ -5691,12 +5971,14 @@
         </p:nvSpPr>
         <p:spPr>
           <a:xfrm>
-            <a:off x="1295637" y="1167708"/>
-            <a:ext cx="4646376" cy="762000"/>
+            <a:off x="617232" y="1179456"/>
+            <a:ext cx="6017975" cy="509115"/>
           </a:xfrm>
         </p:spPr>
         <p:txBody>
-          <a:bodyPr/>
+          <a:bodyPr>
+            <a:normAutofit fontScale="92500"/>
+          </a:bodyPr>
           <a:lstStyle/>
           <a:p>
             <a:r>
@@ -5724,12 +6006,14 @@
         </p:nvSpPr>
         <p:spPr>
           <a:xfrm>
-            <a:off x="6246812" y="1676400"/>
-            <a:ext cx="4648201" cy="762000"/>
+            <a:off x="7847012" y="1676400"/>
+            <a:ext cx="3048001" cy="762000"/>
           </a:xfrm>
         </p:spPr>
         <p:txBody>
-          <a:bodyPr/>
+          <a:bodyPr>
+            <a:normAutofit fontScale="92500"/>
+          </a:bodyPr>
           <a:lstStyle/>
           <a:p>
             <a:r>
@@ -5757,8 +6041,8 @@
         </p:nvSpPr>
         <p:spPr>
           <a:xfrm>
-            <a:off x="6246812" y="2468526"/>
-            <a:ext cx="4648201" cy="3733800"/>
+            <a:off x="7847012" y="2468526"/>
+            <a:ext cx="3048001" cy="3733800"/>
           </a:xfrm>
         </p:spPr>
         <p:txBody>
@@ -5826,8 +6110,8 @@
         </p:nvSpPr>
         <p:spPr>
           <a:xfrm>
-            <a:off x="1241920" y="3757510"/>
-            <a:ext cx="4646376" cy="603253"/>
+            <a:off x="608881" y="3757511"/>
+            <a:ext cx="6452886" cy="404140"/>
           </a:xfrm>
           <a:prstGeom prst="rect">
             <a:avLst/>
@@ -5835,7 +6119,7 @@
         </p:spPr>
         <p:txBody>
           <a:bodyPr vert="horz" lIns="91440" tIns="45720" rIns="91440" bIns="45720" rtlCol="0" anchor="ctr">
-            <a:normAutofit fontScale="92500" lnSpcReduction="20000"/>
+            <a:normAutofit lnSpcReduction="10000"/>
           </a:bodyPr>
           <a:lstStyle>
             <a:lvl1pPr marL="0" indent="0" algn="l" defTabSz="914400" rtl="0" eaLnBrk="1" latinLnBrk="0" hangingPunct="1">
@@ -6025,8 +6309,8 @@
         </p:blipFill>
         <p:spPr>
           <a:xfrm>
-            <a:off x="608881" y="1980426"/>
-            <a:ext cx="5485531" cy="1724024"/>
+            <a:off x="608881" y="1676400"/>
+            <a:ext cx="6452886" cy="2028050"/>
           </a:xfrm>
           <a:prstGeom prst="rect">
             <a:avLst/>
@@ -6061,8 +6345,8 @@
         </p:blipFill>
         <p:spPr>
           <a:xfrm>
-            <a:off x="646621" y="4346586"/>
-            <a:ext cx="5517253" cy="2091849"/>
+            <a:off x="600667" y="4161650"/>
+            <a:ext cx="6452886" cy="2432282"/>
           </a:xfrm>
           <a:prstGeom prst="rect">
             <a:avLst/>
@@ -6079,13 +6363,13 @@
   <p:clrMapOvr>
     <a:masterClrMapping/>
   </p:clrMapOvr>
-  <mc:AlternateContent xmlns:mc="http://schemas.openxmlformats.org/markup-compatibility/2006">
-    <mc:Choice xmlns:p14="http://schemas.microsoft.com/office/powerpoint/2010/main" Requires="p14">
+  <mc:AlternateContent xmlns:mc="http://schemas.openxmlformats.org/markup-compatibility/2006" xmlns:p14="http://schemas.microsoft.com/office/powerpoint/2010/main">
+    <mc:Choice Requires="p14">
       <p:transition spd="med" p14:dur="700">
         <p:fade/>
       </p:transition>
     </mc:Choice>
-    <mc:Fallback>
+    <mc:Fallback xmlns="">
       <p:transition spd="med">
         <p:fade/>
       </p:transition>
@@ -6177,15 +6461,6 @@
           <a:solidFill>
             <a:srgbClr val="FFFFFF"/>
           </a:solidFill>
-          <a:extLst>
-            <a:ext uri="{909E8E84-426E-40DD-AFC4-6F175D3DCCD1}">
-              <a14:hiddenFill xmlns:a14="http://schemas.microsoft.com/office/drawing/2010/main">
-                <a:solidFill>
-                  <a:srgbClr val="FFFFFF"/>
-                </a:solidFill>
-              </a14:hiddenFill>
-            </a:ext>
-          </a:extLst>
         </p:spPr>
       </p:pic>
     </p:spTree>
@@ -6296,15 +6571,6 @@
           <a:solidFill>
             <a:srgbClr val="FFFFFF"/>
           </a:solidFill>
-          <a:extLst>
-            <a:ext uri="{909E8E84-426E-40DD-AFC4-6F175D3DCCD1}">
-              <a14:hiddenFill xmlns:a14="http://schemas.microsoft.com/office/drawing/2010/main">
-                <a:solidFill>
-                  <a:srgbClr val="FFFFFF"/>
-                </a:solidFill>
-              </a14:hiddenFill>
-            </a:ext>
-          </a:extLst>
         </p:spPr>
       </p:pic>
     </p:spTree>
@@ -6317,13 +6583,13 @@
   <p:clrMapOvr>
     <a:masterClrMapping/>
   </p:clrMapOvr>
-  <mc:AlternateContent xmlns:mc="http://schemas.openxmlformats.org/markup-compatibility/2006">
-    <mc:Choice xmlns:p14="http://schemas.microsoft.com/office/powerpoint/2010/main" Requires="p14">
+  <mc:AlternateContent xmlns:mc="http://schemas.openxmlformats.org/markup-compatibility/2006" xmlns:p14="http://schemas.microsoft.com/office/powerpoint/2010/main">
+    <mc:Choice Requires="p14">
       <p:transition spd="med" p14:dur="700">
         <p:fade/>
       </p:transition>
     </mc:Choice>
-    <mc:Fallback>
+    <mc:Fallback xmlns="">
       <p:transition spd="med">
         <p:fade/>
       </p:transition>
@@ -6448,13 +6714,13 @@
   <p:clrMapOvr>
     <a:masterClrMapping/>
   </p:clrMapOvr>
-  <mc:AlternateContent xmlns:mc="http://schemas.openxmlformats.org/markup-compatibility/2006">
-    <mc:Choice xmlns:p14="http://schemas.microsoft.com/office/powerpoint/2010/main" Requires="p14">
+  <mc:AlternateContent xmlns:mc="http://schemas.openxmlformats.org/markup-compatibility/2006" xmlns:p14="http://schemas.microsoft.com/office/powerpoint/2010/main">
+    <mc:Choice Requires="p14">
       <p:transition spd="med" p14:dur="700">
         <p:fade/>
       </p:transition>
     </mc:Choice>
-    <mc:Fallback>
+    <mc:Fallback xmlns="">
       <p:transition spd="med">
         <p:fade/>
       </p:transition>
@@ -6509,36 +6775,6 @@
           </a:p>
         </p:txBody>
       </p:sp>
-      <p:sp>
-        <p:nvSpPr>
-          <p:cNvPr id="139" name="Text Placeholder 2">
-            <a:extLst>
-              <a:ext uri="{FF2B5EF4-FFF2-40B4-BE49-F238E27FC236}">
-                <a16:creationId xmlns:a16="http://schemas.microsoft.com/office/drawing/2014/main" id="{0CA7DC26-C504-4812-94D2-FE0846EE1907}"/>
-              </a:ext>
-            </a:extLst>
-          </p:cNvPr>
-          <p:cNvSpPr>
-            <a:spLocks noGrp="1"/>
-          </p:cNvSpPr>
-          <p:nvPr>
-            <p:ph type="body" sz="half" idx="2"/>
-          </p:nvPr>
-        </p:nvSpPr>
-        <p:spPr>
-          <a:xfrm>
-            <a:off x="1293813" y="4724400"/>
-            <a:ext cx="3581400" cy="1401764"/>
-          </a:xfrm>
-        </p:spPr>
-        <p:txBody>
-          <a:bodyPr/>
-          <a:lstStyle/>
-          <a:p>
-            <a:endParaRPr lang="en-US"/>
-          </a:p>
-        </p:txBody>
-      </p:sp>
       <p:pic>
         <p:nvPicPr>
           <p:cNvPr id="16" name="Picture 15">
@@ -6561,8 +6797,8 @@
         </p:blipFill>
         <p:spPr>
           <a:xfrm>
-            <a:off x="6018212" y="3429000"/>
-            <a:ext cx="5590231" cy="3365500"/>
+            <a:off x="6018212" y="3886200"/>
+            <a:ext cx="5590231" cy="2908300"/>
           </a:xfrm>
           <a:prstGeom prst="rect">
             <a:avLst/>
@@ -6598,7 +6834,7 @@
         <p:spPr>
           <a:xfrm>
             <a:off x="6018212" y="25400"/>
-            <a:ext cx="5590231" cy="3235512"/>
+            <a:ext cx="5590231" cy="3632200"/>
           </a:xfrm>
           <a:prstGeom prst="rect">
             <a:avLst/>
@@ -6615,13 +6851,13 @@
   <p:clrMapOvr>
     <a:masterClrMapping/>
   </p:clrMapOvr>
-  <mc:AlternateContent xmlns:mc="http://schemas.openxmlformats.org/markup-compatibility/2006">
-    <mc:Choice xmlns:p14="http://schemas.microsoft.com/office/powerpoint/2010/main" Requires="p14">
+  <mc:AlternateContent xmlns:mc="http://schemas.openxmlformats.org/markup-compatibility/2006" xmlns:p14="http://schemas.microsoft.com/office/powerpoint/2010/main">
+    <mc:Choice Requires="p14">
       <p:transition spd="med" p14:dur="700">
         <p:fade/>
       </p:transition>
     </mc:Choice>
-    <mc:Fallback>
+    <mc:Fallback xmlns="">
       <p:transition spd="med">
         <p:fade/>
       </p:transition>
@@ -8333,15 +8569,6 @@
 </file>
 
 <file path=customXml/item2.xml><?xml version="1.0" encoding="utf-8"?>
-<?mso-contentType ?>
-<FormTemplates xmlns="http://schemas.microsoft.com/sharepoint/v3/contenttype/forms">
-  <Display>DocumentLibraryForm</Display>
-  <Edit>AssetEditForm</Edit>
-  <New>DocumentLibraryForm</New>
-</FormTemplates>
-</file>
-
-<file path=customXml/item3.xml><?xml version="1.0" encoding="utf-8"?>
 <p:properties xmlns:p="http://schemas.microsoft.com/office/2006/metadata/properties" xmlns:xsi="http://www.w3.org/2001/XMLSchema-instance" xmlns:pc="http://schemas.microsoft.com/office/infopath/2007/PartnerControls">
   <documentManagement>
     <DirectSourceMarket xmlns="4873beb7-5857-4685-be1f-d57550cc96cc" xsi:nil="true"/>
@@ -8467,6 +8694,15 @@
 </p:properties>
 </file>
 
+<file path=customXml/item3.xml><?xml version="1.0" encoding="utf-8"?>
+<?mso-contentType ?>
+<FormTemplates xmlns="http://schemas.microsoft.com/sharepoint/v3/contenttype/forms">
+  <Display>DocumentLibraryForm</Display>
+  <Edit>AssetEditForm</Edit>
+  <New>DocumentLibraryForm</New>
+</FormTemplates>
+</file>
+
 <file path=customXml/itemProps1.xml><?xml version="1.0" encoding="utf-8"?>
 <ds:datastoreItem xmlns:ds="http://schemas.openxmlformats.org/officeDocument/2006/customXml" ds:itemID="{6EB9514F-6A45-47F4-BC6D-A865E2971712}">
   <ds:schemaRefs>
@@ -8486,14 +8722,6 @@
 </file>
 
 <file path=customXml/itemProps2.xml><?xml version="1.0" encoding="utf-8"?>
-<ds:datastoreItem xmlns:ds="http://schemas.openxmlformats.org/officeDocument/2006/customXml" ds:itemID="{3C20563B-C646-42AF-9D0D-76DF086793C3}">
-  <ds:schemaRefs>
-    <ds:schemaRef ds:uri="http://schemas.microsoft.com/sharepoint/v3/contenttype/forms"/>
-  </ds:schemaRefs>
-</ds:datastoreItem>
-</file>
-
-<file path=customXml/itemProps3.xml><?xml version="1.0" encoding="utf-8"?>
 <ds:datastoreItem xmlns:ds="http://schemas.openxmlformats.org/officeDocument/2006/customXml" ds:itemID="{C335E791-7449-4708-8DE9-182EC4D8A134}">
   <ds:schemaRefs>
     <ds:schemaRef ds:uri="4873beb7-5857-4685-be1f-d57550cc96cc"/>
@@ -8507,4 +8735,12 @@
     <ds:schemaRef ds:uri="http://purl.org/dc/dcmitype/"/>
   </ds:schemaRefs>
 </ds:datastoreItem>
+</file>
+
+<file path=customXml/itemProps3.xml><?xml version="1.0" encoding="utf-8"?>
+<ds:datastoreItem xmlns:ds="http://schemas.openxmlformats.org/officeDocument/2006/customXml" ds:itemID="{3C20563B-C646-42AF-9D0D-76DF086793C3}">
+  <ds:schemaRefs>
+    <ds:schemaRef ds:uri="http://schemas.microsoft.com/sharepoint/v3/contenttype/forms"/>
+  </ds:schemaRefs>
+</ds:datastoreItem>
 </file>